--- a/Mapa stakeholders.pptx
+++ b/Mapa stakeholders.pptx
@@ -104,6 +104,11 @@
       </a:defRPr>
     </a:lvl9pPr>
   </p:defaultTextStyle>
+  <p:extLst>
+    <p:ext uri="{EFAFB233-063F-42B5-8137-9DF3F51BA10A}">
+      <p15:sldGuideLst xmlns:p15="http://schemas.microsoft.com/office/powerpoint/2012/main"/>
+    </p:ext>
+  </p:extLst>
 </p:presentation>
 </file>
 
@@ -246,7 +251,7 @@
           <a:p>
             <a:fld id="{1A9D0620-6EDB-4D98-B75A-C906B89BCFE3}" type="datetimeFigureOut">
               <a:rPr lang="es-CO" smtClean="0"/>
-              <a:t>4/10/2025</a:t>
+              <a:t>15/11/2025</a:t>
             </a:fld>
             <a:endParaRPr lang="es-CO"/>
           </a:p>
@@ -426,7 +431,7 @@
           <a:p>
             <a:fld id="{1A9D0620-6EDB-4D98-B75A-C906B89BCFE3}" type="datetimeFigureOut">
               <a:rPr lang="es-CO" smtClean="0"/>
-              <a:t>4/10/2025</a:t>
+              <a:t>15/11/2025</a:t>
             </a:fld>
             <a:endParaRPr lang="es-CO"/>
           </a:p>
@@ -610,7 +615,7 @@
           <a:p>
             <a:fld id="{1A9D0620-6EDB-4D98-B75A-C906B89BCFE3}" type="datetimeFigureOut">
               <a:rPr lang="es-CO" smtClean="0"/>
-              <a:t>4/10/2025</a:t>
+              <a:t>15/11/2025</a:t>
             </a:fld>
             <a:endParaRPr lang="es-CO"/>
           </a:p>
@@ -780,7 +785,7 @@
           <a:p>
             <a:fld id="{1A9D0620-6EDB-4D98-B75A-C906B89BCFE3}" type="datetimeFigureOut">
               <a:rPr lang="es-CO" smtClean="0"/>
-              <a:t>4/10/2025</a:t>
+              <a:t>15/11/2025</a:t>
             </a:fld>
             <a:endParaRPr lang="es-CO"/>
           </a:p>
@@ -1028,7 +1033,7 @@
           <a:p>
             <a:fld id="{1A9D0620-6EDB-4D98-B75A-C906B89BCFE3}" type="datetimeFigureOut">
               <a:rPr lang="es-CO" smtClean="0"/>
-              <a:t>4/10/2025</a:t>
+              <a:t>15/11/2025</a:t>
             </a:fld>
             <a:endParaRPr lang="es-CO"/>
           </a:p>
@@ -1265,7 +1270,7 @@
           <a:p>
             <a:fld id="{1A9D0620-6EDB-4D98-B75A-C906B89BCFE3}" type="datetimeFigureOut">
               <a:rPr lang="es-CO" smtClean="0"/>
-              <a:t>4/10/2025</a:t>
+              <a:t>15/11/2025</a:t>
             </a:fld>
             <a:endParaRPr lang="es-CO"/>
           </a:p>
@@ -1650,7 +1655,7 @@
           <a:p>
             <a:fld id="{1A9D0620-6EDB-4D98-B75A-C906B89BCFE3}" type="datetimeFigureOut">
               <a:rPr lang="es-CO" smtClean="0"/>
-              <a:t>4/10/2025</a:t>
+              <a:t>15/11/2025</a:t>
             </a:fld>
             <a:endParaRPr lang="es-CO"/>
           </a:p>
@@ -1768,7 +1773,7 @@
           <a:p>
             <a:fld id="{1A9D0620-6EDB-4D98-B75A-C906B89BCFE3}" type="datetimeFigureOut">
               <a:rPr lang="es-CO" smtClean="0"/>
-              <a:t>4/10/2025</a:t>
+              <a:t>15/11/2025</a:t>
             </a:fld>
             <a:endParaRPr lang="es-CO"/>
           </a:p>
@@ -1863,7 +1868,7 @@
           <a:p>
             <a:fld id="{1A9D0620-6EDB-4D98-B75A-C906B89BCFE3}" type="datetimeFigureOut">
               <a:rPr lang="es-CO" smtClean="0"/>
-              <a:t>4/10/2025</a:t>
+              <a:t>15/11/2025</a:t>
             </a:fld>
             <a:endParaRPr lang="es-CO"/>
           </a:p>
@@ -2114,7 +2119,7 @@
           <a:p>
             <a:fld id="{1A9D0620-6EDB-4D98-B75A-C906B89BCFE3}" type="datetimeFigureOut">
               <a:rPr lang="es-CO" smtClean="0"/>
-              <a:t>4/10/2025</a:t>
+              <a:t>15/11/2025</a:t>
             </a:fld>
             <a:endParaRPr lang="es-CO"/>
           </a:p>
@@ -2505,7 +2510,7 @@
           <a:p>
             <a:fld id="{1A9D0620-6EDB-4D98-B75A-C906B89BCFE3}" type="datetimeFigureOut">
               <a:rPr lang="es-CO" smtClean="0"/>
-              <a:t>4/10/2025</a:t>
+              <a:t>15/11/2025</a:t>
             </a:fld>
             <a:endParaRPr lang="es-CO"/>
           </a:p>
@@ -2723,7 +2728,7 @@
           <a:p>
             <a:fld id="{1A9D0620-6EDB-4D98-B75A-C906B89BCFE3}" type="datetimeFigureOut">
               <a:rPr lang="es-CO" smtClean="0"/>
-              <a:t>4/10/2025</a:t>
+              <a:t>15/11/2025</a:t>
             </a:fld>
             <a:endParaRPr lang="es-CO"/>
           </a:p>
@@ -3841,7 +3846,7 @@
             <a:pPr algn="ctr"/>
             <a:r>
               <a:rPr lang="es-MX" sz="1400" dirty="0"/>
-              <a:t>Alcaldía</a:t>
+              <a:t>Alcaldía de Ipiales</a:t>
             </a:r>
             <a:endParaRPr lang="es-CO" sz="1400" dirty="0"/>
           </a:p>
@@ -3911,8 +3916,8 @@
         </p:nvSpPr>
         <p:spPr>
           <a:xfrm>
-            <a:off x="7271912" y="1726390"/>
-            <a:ext cx="1244585" cy="923621"/>
+            <a:off x="7095104" y="1774124"/>
+            <a:ext cx="1781552" cy="952198"/>
           </a:xfrm>
           <a:prstGeom prst="foldedCorner">
             <a:avLst/>
@@ -3941,7 +3946,7 @@
             <a:pPr algn="ctr"/>
             <a:r>
               <a:rPr lang="es-MX" sz="1400" dirty="0"/>
-              <a:t>Entidades turísticas territoriales</a:t>
+              <a:t>Entidad turística territorial (IDES)</a:t>
             </a:r>
             <a:endParaRPr lang="es-CO" sz="1400" dirty="0"/>
           </a:p>
@@ -3991,7 +3996,7 @@
             <a:pPr algn="ctr"/>
             <a:r>
               <a:rPr lang="es-MX" sz="1400" dirty="0"/>
-              <a:t>Hoteles</a:t>
+              <a:t>Hoteles de las lajas</a:t>
             </a:r>
             <a:endParaRPr lang="es-CO" sz="1400" dirty="0"/>
           </a:p>
@@ -4041,7 +4046,7 @@
             <a:pPr algn="ctr"/>
             <a:r>
               <a:rPr lang="es-MX" sz="1400" dirty="0"/>
-              <a:t>Restaurantes</a:t>
+              <a:t>Restaurantes de las lajas</a:t>
             </a:r>
             <a:endParaRPr lang="es-CO" sz="1400" dirty="0"/>
           </a:p>
@@ -4099,7 +4104,7 @@
             <a:pPr algn="ctr"/>
             <a:r>
               <a:rPr lang="es-MX" sz="1400" dirty="0"/>
-              <a:t>Comunidad local</a:t>
+              <a:t>Comunidad local de las lajas</a:t>
             </a:r>
             <a:endParaRPr lang="es-CO" sz="1400" dirty="0"/>
           </a:p>
@@ -4357,8 +4362,8 @@
         </p:nvSpPr>
         <p:spPr>
           <a:xfrm>
-            <a:off x="3792157" y="4435080"/>
-            <a:ext cx="979798" cy="914400"/>
+            <a:off x="3551807" y="4435080"/>
+            <a:ext cx="1220148" cy="914400"/>
           </a:xfrm>
           <a:prstGeom prst="foldedCorner">
             <a:avLst/>
@@ -4387,7 +4392,7 @@
             <a:pPr algn="ctr"/>
             <a:r>
               <a:rPr lang="es-MX" sz="1400" dirty="0"/>
-              <a:t>Guías turísticos</a:t>
+              <a:t>Guías turísticos de las lajas</a:t>
             </a:r>
             <a:endParaRPr lang="es-CO" sz="1400" dirty="0"/>
           </a:p>
